--- a/для Алены/I_bot.pptx
+++ b/для Алены/I_bot.pptx
@@ -9,7 +9,12 @@
     <p:sldId id="257" r:id="rId3"/>
     <p:sldId id="258" r:id="rId4"/>
     <p:sldId id="259" r:id="rId5"/>
-    <p:sldId id="260" r:id="rId6"/>
+    <p:sldId id="261" r:id="rId6"/>
+    <p:sldId id="262" r:id="rId7"/>
+    <p:sldId id="263" r:id="rId8"/>
+    <p:sldId id="264" r:id="rId9"/>
+    <p:sldId id="265" r:id="rId10"/>
+    <p:sldId id="260" r:id="rId11"/>
   </p:sldIdLst>
   <p:sldSz cx="12192000" cy="6858000"/>
   <p:notesSz cx="6858000" cy="9144000"/>
@@ -108,6 +113,11 @@
       </a:defRPr>
     </a:lvl9pPr>
   </p:defaultTextStyle>
+  <p:extLst>
+    <p:ext uri="{EFAFB233-063F-42B5-8137-9DF3F51BA10A}">
+      <p15:sldGuideLst xmlns:p15="http://schemas.microsoft.com/office/powerpoint/2012/main"/>
+    </p:ext>
+  </p:extLst>
 </p:presentation>
 </file>
 
@@ -447,7 +457,7 @@
             <a:fld id="{5923F103-BC34-4FE4-A40E-EDDEECFDA5D0}" type="datetimeFigureOut">
               <a:rPr lang="en-US" dirty="0"/>
               <a:pPr/>
-              <a:t>4/11/2022</a:t>
+              <a:t>4/22/2022</a:t>
             </a:fld>
             <a:endParaRPr lang="en-US" dirty="0"/>
           </a:p>
@@ -1531,7 +1541,7 @@
           <a:p>
             <a:fld id="{923A1CC3-2375-41D4-9E03-427CAF2A4C1A}" type="datetimeFigureOut">
               <a:rPr lang="en-US" dirty="0"/>
-              <a:t>4/11/2022</a:t>
+              <a:t>4/22/2022</a:t>
             </a:fld>
             <a:endParaRPr lang="en-US" dirty="0"/>
           </a:p>
@@ -2507,7 +2517,7 @@
           <a:p>
             <a:fld id="{AFF16868-8199-4C2C-A5B1-63AEE139F88E}" type="datetimeFigureOut">
               <a:rPr lang="en-US" dirty="0"/>
-              <a:t>4/11/2022</a:t>
+              <a:t>4/22/2022</a:t>
             </a:fld>
             <a:endParaRPr lang="en-US" dirty="0"/>
           </a:p>
@@ -3637,7 +3647,7 @@
           <a:p>
             <a:fld id="{AAD9FF7F-6988-44CC-821B-644E70CD2F73}" type="datetimeFigureOut">
               <a:rPr lang="en-US" dirty="0"/>
-              <a:t>4/11/2022</a:t>
+              <a:t>4/22/2022</a:t>
             </a:fld>
             <a:endParaRPr lang="en-US" dirty="0"/>
           </a:p>
@@ -4666,7 +4676,7 @@
           <a:p>
             <a:fld id="{5C12C299-16B2-4475-990D-751901EACC14}" type="datetimeFigureOut">
               <a:rPr lang="en-US" dirty="0"/>
-              <a:t>4/11/2022</a:t>
+              <a:t>4/22/2022</a:t>
             </a:fld>
             <a:endParaRPr lang="en-US" dirty="0"/>
           </a:p>
@@ -5322,7 +5332,7 @@
           <a:p>
             <a:fld id="{9FE86839-B9D8-4651-8783-F325ECE74E65}" type="datetimeFigureOut">
               <a:rPr lang="en-US" dirty="0"/>
-              <a:t>4/11/2022</a:t>
+              <a:t>4/22/2022</a:t>
             </a:fld>
             <a:endParaRPr lang="en-US" dirty="0"/>
           </a:p>
@@ -6179,7 +6189,7 @@
           <a:p>
             <a:fld id="{FD484F64-32F6-45C5-931F-ADC1662401D0}" type="datetimeFigureOut">
               <a:rPr lang="en-US" dirty="0"/>
-              <a:t>4/11/2022</a:t>
+              <a:t>4/22/2022</a:t>
             </a:fld>
             <a:endParaRPr lang="en-US" dirty="0"/>
           </a:p>
@@ -6365,7 +6375,7 @@
           <a:p>
             <a:fld id="{53086D93-FCAC-47E0-A2EE-787E62CA814C}" type="datetimeFigureOut">
               <a:rPr lang="en-US" dirty="0"/>
-              <a:t>4/11/2022</a:t>
+              <a:t>4/22/2022</a:t>
             </a:fld>
             <a:endParaRPr lang="en-US" dirty="0"/>
           </a:p>
@@ -7333,7 +7343,7 @@
           <a:p>
             <a:fld id="{CDA879A6-0FD0-4734-A311-86BFCA472E6E}" type="datetimeFigureOut">
               <a:rPr lang="en-US" dirty="0"/>
-              <a:t>4/11/2022</a:t>
+              <a:t>4/22/2022</a:t>
             </a:fld>
             <a:endParaRPr lang="en-US" dirty="0"/>
           </a:p>
@@ -7540,7 +7550,7 @@
           <a:p>
             <a:fld id="{19C9CA7B-DFD4-44B5-8C60-D14B8CD1FB59}" type="datetimeFigureOut">
               <a:rPr lang="en-US" dirty="0"/>
-              <a:t>4/11/2022</a:t>
+              <a:t>4/22/2022</a:t>
             </a:fld>
             <a:endParaRPr lang="en-US" dirty="0"/>
           </a:p>
@@ -8570,7 +8580,7 @@
           <a:p>
             <a:fld id="{F34E6425-0181-43F2-84FC-787E803FD2F8}" type="datetimeFigureOut">
               <a:rPr lang="en-US" dirty="0"/>
-              <a:t>4/11/2022</a:t>
+              <a:t>4/22/2022</a:t>
             </a:fld>
             <a:endParaRPr lang="en-US" dirty="0"/>
           </a:p>
@@ -8838,7 +8848,7 @@
           <a:p>
             <a:fld id="{3BDB8791-F1B0-41E7-B7FD-A781E65C4266}" type="datetimeFigureOut">
               <a:rPr lang="en-US" dirty="0"/>
-              <a:t>4/11/2022</a:t>
+              <a:t>4/22/2022</a:t>
             </a:fld>
             <a:endParaRPr lang="en-US" dirty="0"/>
           </a:p>
@@ -9244,7 +9254,7 @@
           <a:p>
             <a:fld id="{5FDD63B2-E120-4ED8-B27B-C685F510A5FE}" type="datetimeFigureOut">
               <a:rPr lang="en-US" dirty="0"/>
-              <a:t>4/11/2022</a:t>
+              <a:t>4/22/2022</a:t>
             </a:fld>
             <a:endParaRPr lang="en-US" dirty="0"/>
           </a:p>
@@ -9367,7 +9377,7 @@
           <a:p>
             <a:fld id="{7AA18ACC-A947-437B-A130-35BD54FDF1E9}" type="datetimeFigureOut">
               <a:rPr lang="en-US" dirty="0"/>
-              <a:t>4/11/2022</a:t>
+              <a:t>4/22/2022</a:t>
             </a:fld>
             <a:endParaRPr lang="en-US" dirty="0"/>
           </a:p>
@@ -9458,7 +9468,7 @@
           <a:p>
             <a:fld id="{7C8D7E02-BCB8-4D50-A234-369438C08659}" type="datetimeFigureOut">
               <a:rPr lang="en-US" dirty="0"/>
-              <a:t>4/11/2022</a:t>
+              <a:t>4/22/2022</a:t>
             </a:fld>
             <a:endParaRPr lang="en-US" dirty="0"/>
           </a:p>
@@ -10535,7 +10545,7 @@
           <a:p>
             <a:fld id="{76E86A4C-8E40-4F87-A4F0-01A0687C5742}" type="datetimeFigureOut">
               <a:rPr lang="en-US" dirty="0"/>
-              <a:t>4/11/2022</a:t>
+              <a:t>4/22/2022</a:t>
             </a:fld>
             <a:endParaRPr lang="en-US" dirty="0"/>
           </a:p>
@@ -11639,7 +11649,7 @@
           <a:p>
             <a:fld id="{35E72C73-2D91-4E12-BA25-F0AA0C03599B}" type="datetimeFigureOut">
               <a:rPr lang="en-US" dirty="0"/>
-              <a:t>4/11/2022</a:t>
+              <a:t>4/22/2022</a:t>
             </a:fld>
             <a:endParaRPr lang="en-US" dirty="0"/>
           </a:p>
@@ -12632,7 +12642,7 @@
           <a:p>
             <a:fld id="{2BE451C3-0FF4-47C4-B829-773ADF60F88C}" type="datetimeFigureOut">
               <a:rPr lang="en-US" dirty="0"/>
-              <a:t>4/11/2022</a:t>
+              <a:t>4/22/2022</a:t>
             </a:fld>
             <a:endParaRPr lang="en-US" dirty="0"/>
           </a:p>
@@ -13256,6 +13266,82 @@
 </p:sld>
 </file>
 
+<file path=ppt/slides/slide10.xml><?xml version="1.0" encoding="utf-8"?>
+<p:sld xmlns:a="http://schemas.openxmlformats.org/drawingml/2006/main" xmlns:r="http://schemas.openxmlformats.org/officeDocument/2006/relationships" xmlns:p="http://schemas.openxmlformats.org/presentationml/2006/main">
+  <p:cSld>
+    <p:spTree>
+      <p:nvGrpSpPr>
+        <p:cNvPr id="1" name=""/>
+        <p:cNvGrpSpPr/>
+        <p:nvPr/>
+      </p:nvGrpSpPr>
+      <p:grpSpPr>
+        <a:xfrm>
+          <a:off x="0" y="0"/>
+          <a:ext cx="0" cy="0"/>
+          <a:chOff x="0" y="0"/>
+          <a:chExt cx="0" cy="0"/>
+        </a:xfrm>
+      </p:grpSpPr>
+      <p:sp>
+        <p:nvSpPr>
+          <p:cNvPr id="2" name="Заголовок 1"/>
+          <p:cNvSpPr>
+            <a:spLocks noGrp="1"/>
+          </p:cNvSpPr>
+          <p:nvPr>
+            <p:ph type="title"/>
+          </p:nvPr>
+        </p:nvSpPr>
+        <p:spPr/>
+        <p:txBody>
+          <a:bodyPr/>
+          <a:lstStyle/>
+          <a:p>
+            <a:r>
+              <a:rPr lang="ru-RU" dirty="0" smtClean="0"/>
+              <a:t>Заключение</a:t>
+            </a:r>
+            <a:endParaRPr lang="ru-RU" dirty="0"/>
+          </a:p>
+        </p:txBody>
+      </p:sp>
+      <p:sp>
+        <p:nvSpPr>
+          <p:cNvPr id="3" name="Объект 2"/>
+          <p:cNvSpPr>
+            <a:spLocks noGrp="1"/>
+          </p:cNvSpPr>
+          <p:nvPr>
+            <p:ph idx="1"/>
+          </p:nvPr>
+        </p:nvSpPr>
+        <p:spPr/>
+        <p:txBody>
+          <a:bodyPr/>
+          <a:lstStyle/>
+          <a:p>
+            <a:r>
+              <a:rPr lang="ru-RU" smtClean="0"/>
+              <a:t>ЕЩЕ РАНО ДЕЛАТЬ ВЫВОДЫ!</a:t>
+            </a:r>
+            <a:endParaRPr lang="ru-RU" dirty="0"/>
+          </a:p>
+        </p:txBody>
+      </p:sp>
+    </p:spTree>
+    <p:extLst>
+      <p:ext uri="{BB962C8B-B14F-4D97-AF65-F5344CB8AC3E}">
+        <p14:creationId xmlns:p14="http://schemas.microsoft.com/office/powerpoint/2010/main" val="2658428944"/>
+      </p:ext>
+    </p:extLst>
+  </p:cSld>
+  <p:clrMapOvr>
+    <a:masterClrMapping/>
+  </p:clrMapOvr>
+</p:sld>
+</file>
+
 <file path=ppt/slides/slide2.xml><?xml version="1.0" encoding="utf-8"?>
 <p:sld xmlns:a="http://schemas.openxmlformats.org/drawingml/2006/main" xmlns:r="http://schemas.openxmlformats.org/officeDocument/2006/relationships" xmlns:p="http://schemas.openxmlformats.org/presentationml/2006/main">
   <p:cSld>
@@ -13497,20 +13583,20 @@
               <a:t>В основном все будет представлено в основном функциями для диалога и возможно вычислений, </a:t>
             </a:r>
             <a:r>
-              <a:rPr lang="ru-RU" dirty="0" err="1" smtClean="0"/>
-              <a:t>всек</a:t>
+              <a:rPr lang="ru-RU" dirty="0" smtClean="0"/>
+              <a:t>все </a:t>
             </a:r>
             <a:r>
               <a:rPr lang="ru-RU" dirty="0" smtClean="0"/>
-              <a:t> функции будут распределены по файлам, так как несколько функция часто будут </a:t>
-            </a:r>
-            <a:r>
-              <a:rPr lang="ru-RU" dirty="0" err="1" smtClean="0"/>
-              <a:t>привяязаны</a:t>
+              <a:t>функции будут распределены по файлам, так как несколько функция часто будут </a:t>
             </a:r>
             <a:r>
               <a:rPr lang="ru-RU" dirty="0" smtClean="0"/>
-              <a:t> к одному действию или будут продолжением диалога.</a:t>
+              <a:t>привязаны </a:t>
+            </a:r>
+            <a:r>
+              <a:rPr lang="ru-RU" dirty="0" smtClean="0"/>
+              <a:t>к одному действию или будут продолжением диалога.</a:t>
             </a:r>
           </a:p>
           <a:p>
@@ -13596,11 +13682,82 @@
           <a:bodyPr/>
           <a:lstStyle/>
           <a:p>
-            <a:r>
-              <a:rPr lang="ru-RU" dirty="0" smtClean="0"/>
-              <a:t>Заключение</a:t>
-            </a:r>
-            <a:endParaRPr lang="ru-RU" dirty="0"/>
+            <a:endParaRPr lang="ru-RU"/>
+          </a:p>
+        </p:txBody>
+      </p:sp>
+      <p:pic>
+        <p:nvPicPr>
+          <p:cNvPr id="4" name="Объект 3"/>
+          <p:cNvPicPr>
+            <a:picLocks noGrp="1" noChangeAspect="1"/>
+          </p:cNvPicPr>
+          <p:nvPr>
+            <p:ph idx="1"/>
+          </p:nvPr>
+        </p:nvPicPr>
+        <p:blipFill>
+          <a:blip r:embed="rId2"/>
+          <a:stretch>
+            <a:fillRect/>
+          </a:stretch>
+        </p:blipFill>
+        <p:spPr>
+          <a:xfrm>
+            <a:off x="0" y="0"/>
+            <a:ext cx="12197952" cy="6858000"/>
+          </a:xfrm>
+          <a:prstGeom prst="rect">
+            <a:avLst/>
+          </a:prstGeom>
+        </p:spPr>
+      </p:pic>
+    </p:spTree>
+    <p:extLst>
+      <p:ext uri="{BB962C8B-B14F-4D97-AF65-F5344CB8AC3E}">
+        <p14:creationId xmlns:p14="http://schemas.microsoft.com/office/powerpoint/2010/main" val="2756107467"/>
+      </p:ext>
+    </p:extLst>
+  </p:cSld>
+  <p:clrMapOvr>
+    <a:masterClrMapping/>
+  </p:clrMapOvr>
+</p:sld>
+</file>
+
+<file path=ppt/slides/slide6.xml><?xml version="1.0" encoding="utf-8"?>
+<p:sld xmlns:a="http://schemas.openxmlformats.org/drawingml/2006/main" xmlns:r="http://schemas.openxmlformats.org/officeDocument/2006/relationships" xmlns:p="http://schemas.openxmlformats.org/presentationml/2006/main">
+  <p:cSld>
+    <p:spTree>
+      <p:nvGrpSpPr>
+        <p:cNvPr id="1" name=""/>
+        <p:cNvGrpSpPr/>
+        <p:nvPr/>
+      </p:nvGrpSpPr>
+      <p:grpSpPr>
+        <a:xfrm>
+          <a:off x="0" y="0"/>
+          <a:ext cx="0" cy="0"/>
+          <a:chOff x="0" y="0"/>
+          <a:chExt cx="0" cy="0"/>
+        </a:xfrm>
+      </p:grpSpPr>
+      <p:sp>
+        <p:nvSpPr>
+          <p:cNvPr id="2" name="Заголовок 1"/>
+          <p:cNvSpPr>
+            <a:spLocks noGrp="1"/>
+          </p:cNvSpPr>
+          <p:nvPr>
+            <p:ph type="title"/>
+          </p:nvPr>
+        </p:nvSpPr>
+        <p:spPr/>
+        <p:txBody>
+          <a:bodyPr/>
+          <a:lstStyle/>
+          <a:p>
+            <a:endParaRPr lang="ru-RU"/>
           </a:p>
         </p:txBody>
       </p:sp>
@@ -13619,18 +13776,297 @@
           <a:bodyPr/>
           <a:lstStyle/>
           <a:p>
-            <a:r>
-              <a:rPr lang="ru-RU" smtClean="0"/>
-              <a:t>ЕЩЕ РАНО ДЕЛАТЬ ВЫВОДЫ!</a:t>
-            </a:r>
-            <a:endParaRPr lang="ru-RU" dirty="0"/>
+            <a:endParaRPr lang="ru-RU"/>
           </a:p>
         </p:txBody>
       </p:sp>
+      <p:pic>
+        <p:nvPicPr>
+          <p:cNvPr id="4" name="Рисунок 3"/>
+          <p:cNvPicPr>
+            <a:picLocks noChangeAspect="1"/>
+          </p:cNvPicPr>
+          <p:nvPr/>
+        </p:nvPicPr>
+        <p:blipFill>
+          <a:blip r:embed="rId2"/>
+          <a:stretch>
+            <a:fillRect/>
+          </a:stretch>
+        </p:blipFill>
+        <p:spPr>
+          <a:xfrm>
+            <a:off x="-409575" y="-228600"/>
+            <a:ext cx="13011150" cy="7315200"/>
+          </a:xfrm>
+          <a:prstGeom prst="rect">
+            <a:avLst/>
+          </a:prstGeom>
+        </p:spPr>
+      </p:pic>
     </p:spTree>
     <p:extLst>
       <p:ext uri="{BB962C8B-B14F-4D97-AF65-F5344CB8AC3E}">
-        <p14:creationId xmlns:p14="http://schemas.microsoft.com/office/powerpoint/2010/main" val="2658428944"/>
+        <p14:creationId xmlns:p14="http://schemas.microsoft.com/office/powerpoint/2010/main" val="1968022877"/>
+      </p:ext>
+    </p:extLst>
+  </p:cSld>
+  <p:clrMapOvr>
+    <a:masterClrMapping/>
+  </p:clrMapOvr>
+</p:sld>
+</file>
+
+<file path=ppt/slides/slide7.xml><?xml version="1.0" encoding="utf-8"?>
+<p:sld xmlns:a="http://schemas.openxmlformats.org/drawingml/2006/main" xmlns:r="http://schemas.openxmlformats.org/officeDocument/2006/relationships" xmlns:p="http://schemas.openxmlformats.org/presentationml/2006/main">
+  <p:cSld>
+    <p:spTree>
+      <p:nvGrpSpPr>
+        <p:cNvPr id="1" name=""/>
+        <p:cNvGrpSpPr/>
+        <p:nvPr/>
+      </p:nvGrpSpPr>
+      <p:grpSpPr>
+        <a:xfrm>
+          <a:off x="0" y="0"/>
+          <a:ext cx="0" cy="0"/>
+          <a:chOff x="0" y="0"/>
+          <a:chExt cx="0" cy="0"/>
+        </a:xfrm>
+      </p:grpSpPr>
+      <p:sp>
+        <p:nvSpPr>
+          <p:cNvPr id="2" name="Заголовок 1"/>
+          <p:cNvSpPr>
+            <a:spLocks noGrp="1"/>
+          </p:cNvSpPr>
+          <p:nvPr>
+            <p:ph type="title"/>
+          </p:nvPr>
+        </p:nvSpPr>
+        <p:spPr/>
+        <p:txBody>
+          <a:bodyPr/>
+          <a:lstStyle/>
+          <a:p>
+            <a:endParaRPr lang="ru-RU"/>
+          </a:p>
+        </p:txBody>
+      </p:sp>
+      <p:pic>
+        <p:nvPicPr>
+          <p:cNvPr id="4" name="Объект 3"/>
+          <p:cNvPicPr>
+            <a:picLocks noGrp="1" noChangeAspect="1"/>
+          </p:cNvPicPr>
+          <p:nvPr>
+            <p:ph idx="1"/>
+          </p:nvPr>
+        </p:nvPicPr>
+        <p:blipFill>
+          <a:blip r:embed="rId2"/>
+          <a:stretch>
+            <a:fillRect/>
+          </a:stretch>
+        </p:blipFill>
+        <p:spPr>
+          <a:xfrm>
+            <a:off x="0" y="0"/>
+            <a:ext cx="12197951" cy="6858000"/>
+          </a:xfrm>
+          <a:prstGeom prst="rect">
+            <a:avLst/>
+          </a:prstGeom>
+        </p:spPr>
+      </p:pic>
+    </p:spTree>
+    <p:extLst>
+      <p:ext uri="{BB962C8B-B14F-4D97-AF65-F5344CB8AC3E}">
+        <p14:creationId xmlns:p14="http://schemas.microsoft.com/office/powerpoint/2010/main" val="162480709"/>
+      </p:ext>
+    </p:extLst>
+  </p:cSld>
+  <p:clrMapOvr>
+    <a:masterClrMapping/>
+  </p:clrMapOvr>
+</p:sld>
+</file>
+
+<file path=ppt/slides/slide8.xml><?xml version="1.0" encoding="utf-8"?>
+<p:sld xmlns:a="http://schemas.openxmlformats.org/drawingml/2006/main" xmlns:r="http://schemas.openxmlformats.org/officeDocument/2006/relationships" xmlns:p="http://schemas.openxmlformats.org/presentationml/2006/main">
+  <p:cSld>
+    <p:spTree>
+      <p:nvGrpSpPr>
+        <p:cNvPr id="1" name=""/>
+        <p:cNvGrpSpPr/>
+        <p:nvPr/>
+      </p:nvGrpSpPr>
+      <p:grpSpPr>
+        <a:xfrm>
+          <a:off x="0" y="0"/>
+          <a:ext cx="0" cy="0"/>
+          <a:chOff x="0" y="0"/>
+          <a:chExt cx="0" cy="0"/>
+        </a:xfrm>
+      </p:grpSpPr>
+      <p:sp>
+        <p:nvSpPr>
+          <p:cNvPr id="2" name="Заголовок 1"/>
+          <p:cNvSpPr>
+            <a:spLocks noGrp="1"/>
+          </p:cNvSpPr>
+          <p:nvPr>
+            <p:ph type="title"/>
+          </p:nvPr>
+        </p:nvSpPr>
+        <p:spPr/>
+        <p:txBody>
+          <a:bodyPr/>
+          <a:lstStyle/>
+          <a:p>
+            <a:endParaRPr lang="ru-RU"/>
+          </a:p>
+        </p:txBody>
+      </p:sp>
+      <p:sp>
+        <p:nvSpPr>
+          <p:cNvPr id="3" name="Объект 2"/>
+          <p:cNvSpPr>
+            <a:spLocks noGrp="1"/>
+          </p:cNvSpPr>
+          <p:nvPr>
+            <p:ph idx="1"/>
+          </p:nvPr>
+        </p:nvSpPr>
+        <p:spPr/>
+        <p:txBody>
+          <a:bodyPr/>
+          <a:lstStyle/>
+          <a:p>
+            <a:endParaRPr lang="ru-RU" dirty="0"/>
+          </a:p>
+        </p:txBody>
+      </p:sp>
+      <p:pic>
+        <p:nvPicPr>
+          <p:cNvPr id="4" name="Рисунок 3"/>
+          <p:cNvPicPr>
+            <a:picLocks noChangeAspect="1"/>
+          </p:cNvPicPr>
+          <p:nvPr/>
+        </p:nvPicPr>
+        <p:blipFill>
+          <a:blip r:embed="rId2"/>
+          <a:stretch>
+            <a:fillRect/>
+          </a:stretch>
+        </p:blipFill>
+        <p:spPr>
+          <a:xfrm>
+            <a:off x="-409575" y="-228600"/>
+            <a:ext cx="13011150" cy="7315200"/>
+          </a:xfrm>
+          <a:prstGeom prst="rect">
+            <a:avLst/>
+          </a:prstGeom>
+        </p:spPr>
+      </p:pic>
+    </p:spTree>
+    <p:extLst>
+      <p:ext uri="{BB962C8B-B14F-4D97-AF65-F5344CB8AC3E}">
+        <p14:creationId xmlns:p14="http://schemas.microsoft.com/office/powerpoint/2010/main" val="1784839921"/>
+      </p:ext>
+    </p:extLst>
+  </p:cSld>
+  <p:clrMapOvr>
+    <a:masterClrMapping/>
+  </p:clrMapOvr>
+</p:sld>
+</file>
+
+<file path=ppt/slides/slide9.xml><?xml version="1.0" encoding="utf-8"?>
+<p:sld xmlns:a="http://schemas.openxmlformats.org/drawingml/2006/main" xmlns:r="http://schemas.openxmlformats.org/officeDocument/2006/relationships" xmlns:p="http://schemas.openxmlformats.org/presentationml/2006/main">
+  <p:cSld>
+    <p:spTree>
+      <p:nvGrpSpPr>
+        <p:cNvPr id="1" name=""/>
+        <p:cNvGrpSpPr/>
+        <p:nvPr/>
+      </p:nvGrpSpPr>
+      <p:grpSpPr>
+        <a:xfrm>
+          <a:off x="0" y="0"/>
+          <a:ext cx="0" cy="0"/>
+          <a:chOff x="0" y="0"/>
+          <a:chExt cx="0" cy="0"/>
+        </a:xfrm>
+      </p:grpSpPr>
+      <p:sp>
+        <p:nvSpPr>
+          <p:cNvPr id="2" name="Заголовок 1"/>
+          <p:cNvSpPr>
+            <a:spLocks noGrp="1"/>
+          </p:cNvSpPr>
+          <p:nvPr>
+            <p:ph type="title"/>
+          </p:nvPr>
+        </p:nvSpPr>
+        <p:spPr/>
+        <p:txBody>
+          <a:bodyPr/>
+          <a:lstStyle/>
+          <a:p>
+            <a:endParaRPr lang="ru-RU"/>
+          </a:p>
+        </p:txBody>
+      </p:sp>
+      <p:sp>
+        <p:nvSpPr>
+          <p:cNvPr id="3" name="Объект 2"/>
+          <p:cNvSpPr>
+            <a:spLocks noGrp="1"/>
+          </p:cNvSpPr>
+          <p:nvPr>
+            <p:ph idx="1"/>
+          </p:nvPr>
+        </p:nvSpPr>
+        <p:spPr/>
+        <p:txBody>
+          <a:bodyPr/>
+          <a:lstStyle/>
+          <a:p>
+            <a:endParaRPr lang="ru-RU"/>
+          </a:p>
+        </p:txBody>
+      </p:sp>
+      <p:pic>
+        <p:nvPicPr>
+          <p:cNvPr id="4" name="Рисунок 3"/>
+          <p:cNvPicPr>
+            <a:picLocks noChangeAspect="1"/>
+          </p:cNvPicPr>
+          <p:nvPr/>
+        </p:nvPicPr>
+        <p:blipFill>
+          <a:blip r:embed="rId2"/>
+          <a:stretch>
+            <a:fillRect/>
+          </a:stretch>
+        </p:blipFill>
+        <p:spPr>
+          <a:xfrm>
+            <a:off x="-409575" y="-228600"/>
+            <a:ext cx="13011150" cy="7315200"/>
+          </a:xfrm>
+          <a:prstGeom prst="rect">
+            <a:avLst/>
+          </a:prstGeom>
+        </p:spPr>
+      </p:pic>
+    </p:spTree>
+    <p:extLst>
+      <p:ext uri="{BB962C8B-B14F-4D97-AF65-F5344CB8AC3E}">
+        <p14:creationId xmlns:p14="http://schemas.microsoft.com/office/powerpoint/2010/main" val="1350904145"/>
       </p:ext>
     </p:extLst>
   </p:cSld>
